--- a/123/nmop-chairs-slides-session-2.pptx
+++ b/123/nmop-chairs-slides-session-2.pptx
@@ -18736,8 +18736,12 @@
               <a:buNone/>
             </a:pPr>
             <a:r>
+              <a:rPr lang="en-US"/>
+              <a:t>IETF 123 </a:t>
+            </a:r>
+            <a:r>
               <a:rPr lang="en-US" dirty="0"/>
-              <a:t>IETF 122 Meeting Tips</a:t>
+              <a:t>Meeting Tips</a:t>
             </a:r>
             <a:endParaRPr sz="2400" dirty="0">
               <a:solidFill>
